--- a/ssak3프로젝트.pptx
+++ b/ssak3프로젝트.pptx
@@ -131,7 +131,7 @@
   </p:defaultTextStyle>
   <p:extLst>
     <p:ext uri="{EFAFB233-063F-42B5-8137-9DF3F51BA10A}">
-      <p15:sldGuideLst xmlns="" xmlns:p15="http://schemas.microsoft.com/office/powerpoint/2012/main"/>
+      <p15:sldGuideLst xmlns:p15="http://schemas.microsoft.com/office/powerpoint/2012/main" xmlns=""/>
     </p:ext>
   </p:extLst>
 </p:presentation>
@@ -268,7 +268,7 @@
           <a:p>
             <a:fld id="{654931E1-3547-5F4D-A496-A8982F82D872}" type="datetimeFigureOut">
               <a:rPr kumimoji="1" lang="ko-KR" altLang="en-US" smtClean="0"/>
-              <a:t>2020-09-07</a:t>
+              <a:t>2020-09-08</a:t>
             </a:fld>
             <a:endParaRPr kumimoji="1" lang="ko-KR" altLang="en-US"/>
           </a:p>
@@ -438,7 +438,7 @@
           <a:p>
             <a:fld id="{654931E1-3547-5F4D-A496-A8982F82D872}" type="datetimeFigureOut">
               <a:rPr kumimoji="1" lang="ko-KR" altLang="en-US" smtClean="0"/>
-              <a:t>2020-09-07</a:t>
+              <a:t>2020-09-08</a:t>
             </a:fld>
             <a:endParaRPr kumimoji="1" lang="ko-KR" altLang="en-US"/>
           </a:p>
@@ -618,7 +618,7 @@
           <a:p>
             <a:fld id="{654931E1-3547-5F4D-A496-A8982F82D872}" type="datetimeFigureOut">
               <a:rPr kumimoji="1" lang="ko-KR" altLang="en-US" smtClean="0"/>
-              <a:t>2020-09-07</a:t>
+              <a:t>2020-09-08</a:t>
             </a:fld>
             <a:endParaRPr kumimoji="1" lang="ko-KR" altLang="en-US"/>
           </a:p>
@@ -788,7 +788,7 @@
           <a:p>
             <a:fld id="{654931E1-3547-5F4D-A496-A8982F82D872}" type="datetimeFigureOut">
               <a:rPr kumimoji="1" lang="ko-KR" altLang="en-US" smtClean="0"/>
-              <a:t>2020-09-07</a:t>
+              <a:t>2020-09-08</a:t>
             </a:fld>
             <a:endParaRPr kumimoji="1" lang="ko-KR" altLang="en-US"/>
           </a:p>
@@ -1034,7 +1034,7 @@
           <a:p>
             <a:fld id="{654931E1-3547-5F4D-A496-A8982F82D872}" type="datetimeFigureOut">
               <a:rPr kumimoji="1" lang="ko-KR" altLang="en-US" smtClean="0"/>
-              <a:t>2020-09-07</a:t>
+              <a:t>2020-09-08</a:t>
             </a:fld>
             <a:endParaRPr kumimoji="1" lang="ko-KR" altLang="en-US"/>
           </a:p>
@@ -1266,7 +1266,7 @@
           <a:p>
             <a:fld id="{654931E1-3547-5F4D-A496-A8982F82D872}" type="datetimeFigureOut">
               <a:rPr kumimoji="1" lang="ko-KR" altLang="en-US" smtClean="0"/>
-              <a:t>2020-09-07</a:t>
+              <a:t>2020-09-08</a:t>
             </a:fld>
             <a:endParaRPr kumimoji="1" lang="ko-KR" altLang="en-US"/>
           </a:p>
@@ -1633,7 +1633,7 @@
           <a:p>
             <a:fld id="{654931E1-3547-5F4D-A496-A8982F82D872}" type="datetimeFigureOut">
               <a:rPr kumimoji="1" lang="ko-KR" altLang="en-US" smtClean="0"/>
-              <a:t>2020-09-07</a:t>
+              <a:t>2020-09-08</a:t>
             </a:fld>
             <a:endParaRPr kumimoji="1" lang="ko-KR" altLang="en-US"/>
           </a:p>
@@ -1751,7 +1751,7 @@
           <a:p>
             <a:fld id="{654931E1-3547-5F4D-A496-A8982F82D872}" type="datetimeFigureOut">
               <a:rPr kumimoji="1" lang="ko-KR" altLang="en-US" smtClean="0"/>
-              <a:t>2020-09-07</a:t>
+              <a:t>2020-09-08</a:t>
             </a:fld>
             <a:endParaRPr kumimoji="1" lang="ko-KR" altLang="en-US"/>
           </a:p>
@@ -1846,7 +1846,7 @@
           <a:p>
             <a:fld id="{654931E1-3547-5F4D-A496-A8982F82D872}" type="datetimeFigureOut">
               <a:rPr kumimoji="1" lang="ko-KR" altLang="en-US" smtClean="0"/>
-              <a:t>2020-09-07</a:t>
+              <a:t>2020-09-08</a:t>
             </a:fld>
             <a:endParaRPr kumimoji="1" lang="ko-KR" altLang="en-US"/>
           </a:p>
@@ -2123,7 +2123,7 @@
           <a:p>
             <a:fld id="{654931E1-3547-5F4D-A496-A8982F82D872}" type="datetimeFigureOut">
               <a:rPr kumimoji="1" lang="ko-KR" altLang="en-US" smtClean="0"/>
-              <a:t>2020-09-07</a:t>
+              <a:t>2020-09-08</a:t>
             </a:fld>
             <a:endParaRPr kumimoji="1" lang="ko-KR" altLang="en-US"/>
           </a:p>
@@ -2376,7 +2376,7 @@
           <a:p>
             <a:fld id="{654931E1-3547-5F4D-A496-A8982F82D872}" type="datetimeFigureOut">
               <a:rPr kumimoji="1" lang="ko-KR" altLang="en-US" smtClean="0"/>
-              <a:t>2020-09-07</a:t>
+              <a:t>2020-09-08</a:t>
             </a:fld>
             <a:endParaRPr kumimoji="1" lang="ko-KR" altLang="en-US"/>
           </a:p>
@@ -2589,7 +2589,7 @@
           <a:p>
             <a:fld id="{654931E1-3547-5F4D-A496-A8982F82D872}" type="datetimeFigureOut">
               <a:rPr kumimoji="1" lang="ko-KR" altLang="en-US" smtClean="0"/>
-              <a:t>2020-09-07</a:t>
+              <a:t>2020-09-08</a:t>
             </a:fld>
             <a:endParaRPr kumimoji="1" lang="ko-KR" altLang="en-US"/>
           </a:p>
@@ -3372,11 +3372,6 @@
                 </a:rPr>
                 <a:t>약</a:t>
               </a:r>
-              <a:endParaRPr kumimoji="1" lang="ko-KR" altLang="en-US" sz="1200" b="1" dirty="0">
-                <a:solidFill>
-                  <a:schemeClr val="tx1"/>
-                </a:solidFill>
-              </a:endParaRPr>
             </a:p>
           </p:txBody>
         </p:sp>
@@ -3907,15 +3902,7 @@
                     <a:schemeClr val="tx1"/>
                   </a:solidFill>
                 </a:rPr>
-                <a:t>완료</a:t>
-              </a:r>
-              <a:r>
-                <a:rPr kumimoji="1" lang="ko-KR" altLang="en-US" sz="1200" b="1" dirty="0" smtClean="0">
-                  <a:solidFill>
-                    <a:schemeClr val="tx1"/>
-                  </a:solidFill>
-                </a:rPr>
-                <a:t>됨</a:t>
+                <a:t>완료됨</a:t>
               </a:r>
               <a:endParaRPr kumimoji="1" lang="ko-KR" altLang="en-US" sz="1200" b="1" dirty="0">
                 <a:solidFill>
@@ -4059,11 +4046,6 @@
                   </a:rPr>
                   <a:t>체</a:t>
                 </a:r>
-                <a:endParaRPr kumimoji="1" lang="ko-KR" altLang="en-US" sz="1200" b="1" dirty="0">
-                  <a:solidFill>
-                    <a:schemeClr val="tx1"/>
-                  </a:solidFill>
-                </a:endParaRPr>
               </a:p>
             </p:txBody>
           </p:sp>
@@ -4696,15 +4678,7 @@
                     <a:schemeClr val="tx1"/>
                   </a:solidFill>
                 </a:rPr>
-                <a:t>전달</a:t>
-              </a:r>
-              <a:r>
-                <a:rPr kumimoji="1" lang="ko-KR" altLang="en-US" sz="1200" b="1" dirty="0" smtClean="0">
-                  <a:solidFill>
-                    <a:schemeClr val="tx1"/>
-                  </a:solidFill>
-                </a:rPr>
-                <a:t>됨</a:t>
+                <a:t>전달됨</a:t>
               </a:r>
               <a:endParaRPr kumimoji="1" lang="ko-KR" altLang="en-US" sz="1200" b="1" dirty="0">
                 <a:solidFill>
@@ -4774,11 +4748,6 @@
                 </a:rPr>
                 <a:t>림</a:t>
               </a:r>
-              <a:endParaRPr kumimoji="1" lang="ko-KR" altLang="en-US" sz="1200" b="1" dirty="0">
-                <a:solidFill>
-                  <a:schemeClr val="tx1"/>
-                </a:solidFill>
-              </a:endParaRPr>
             </a:p>
           </p:txBody>
         </p:sp>
@@ -4832,15 +4801,7 @@
                     <a:sysClr val="windowText" lastClr="000000"/>
                   </a:solidFill>
                 </a:rPr>
-                <a:t>알림</a:t>
-              </a:r>
-              <a:r>
-                <a:rPr kumimoji="1" lang="ko-KR" altLang="en-US" sz="1600" dirty="0" err="1" smtClean="0">
-                  <a:solidFill>
-                    <a:sysClr val="windowText" lastClr="000000"/>
-                  </a:solidFill>
-                </a:rPr>
-                <a:t>이력</a:t>
+                <a:t>알림이력</a:t>
               </a:r>
               <a:endParaRPr kumimoji="1" lang="ko-KR" altLang="en-US" sz="1600" dirty="0">
                 <a:solidFill>
@@ -4923,8 +4884,8 @@
             <a:lstStyle/>
             <a:p>
               <a:r>
-                <a:rPr lang="en-US" altLang="ko-KR" sz="1400" smtClean="0"/>
-                <a:t>alarm(</a:t>
+                <a:rPr lang="en-US" altLang="ko-KR" sz="1400" dirty="0" smtClean="0"/>
+                <a:t>message(</a:t>
               </a:r>
               <a:r>
                 <a:rPr lang="ko-KR" altLang="en-US" sz="1400" dirty="0" smtClean="0"/>
@@ -5379,7 +5340,7 @@
             <a:p>
               <a:r>
                 <a:rPr lang="en-US" altLang="ko-KR" sz="1400" dirty="0" smtClean="0"/>
-                <a:t>pay(</a:t>
+                <a:t>payment(</a:t>
               </a:r>
               <a:r>
                 <a:rPr lang="ko-KR" altLang="en-US" sz="1400" dirty="0" smtClean="0"/>
@@ -5718,11 +5679,6 @@
                 </a:rPr>
                 <a:t>약</a:t>
               </a:r>
-              <a:endParaRPr kumimoji="1" lang="ko-KR" altLang="en-US" sz="1200" b="1" dirty="0">
-                <a:solidFill>
-                  <a:schemeClr val="tx1"/>
-                </a:solidFill>
-              </a:endParaRPr>
             </a:p>
           </p:txBody>
         </p:sp>
@@ -6253,15 +6209,7 @@
                     <a:schemeClr val="tx1"/>
                   </a:solidFill>
                 </a:rPr>
-                <a:t>완료</a:t>
-              </a:r>
-              <a:r>
-                <a:rPr kumimoji="1" lang="ko-KR" altLang="en-US" sz="1200" b="1" dirty="0" smtClean="0">
-                  <a:solidFill>
-                    <a:schemeClr val="tx1"/>
-                  </a:solidFill>
-                </a:rPr>
-                <a:t>됨</a:t>
+                <a:t>완료됨</a:t>
               </a:r>
               <a:endParaRPr kumimoji="1" lang="ko-KR" altLang="en-US" sz="1200" b="1" dirty="0">
                 <a:solidFill>
@@ -6405,11 +6353,6 @@
                   </a:rPr>
                   <a:t>체</a:t>
                 </a:r>
-                <a:endParaRPr kumimoji="1" lang="ko-KR" altLang="en-US" sz="1200" b="1" dirty="0">
-                  <a:solidFill>
-                    <a:schemeClr val="tx1"/>
-                  </a:solidFill>
-                </a:endParaRPr>
               </a:p>
             </p:txBody>
           </p:sp>
@@ -7042,15 +6985,7 @@
                     <a:schemeClr val="tx1"/>
                   </a:solidFill>
                 </a:rPr>
-                <a:t>전달</a:t>
-              </a:r>
-              <a:r>
-                <a:rPr kumimoji="1" lang="ko-KR" altLang="en-US" sz="1200" b="1" dirty="0" smtClean="0">
-                  <a:solidFill>
-                    <a:schemeClr val="tx1"/>
-                  </a:solidFill>
-                </a:rPr>
-                <a:t>됨</a:t>
+                <a:t>전달됨</a:t>
               </a:r>
               <a:endParaRPr kumimoji="1" lang="ko-KR" altLang="en-US" sz="1200" b="1" dirty="0">
                 <a:solidFill>
@@ -7120,11 +7055,6 @@
                 </a:rPr>
                 <a:t>림</a:t>
               </a:r>
-              <a:endParaRPr kumimoji="1" lang="ko-KR" altLang="en-US" sz="1200" b="1" dirty="0">
-                <a:solidFill>
-                  <a:schemeClr val="tx1"/>
-                </a:solidFill>
-              </a:endParaRPr>
             </a:p>
           </p:txBody>
         </p:sp>
@@ -7269,19 +7199,15 @@
             <a:lstStyle/>
             <a:p>
               <a:r>
-                <a:rPr lang="en-US" altLang="ko-KR" sz="1400" smtClean="0"/>
-                <a:t>alarm(</a:t>
-              </a:r>
-              <a:r>
-                <a:rPr lang="ko-KR" altLang="en-US" sz="1400" dirty="0" smtClean="0"/>
-                <a:t>알</a:t>
+                <a:rPr lang="en-US" altLang="ko-KR" sz="1400" dirty="0"/>
+                <a:t>message(</a:t>
               </a:r>
               <a:r>
                 <a:rPr lang="ko-KR" altLang="en-US" sz="1400" dirty="0"/>
-                <a:t>림</a:t>
+                <a:t>알림</a:t>
               </a:r>
               <a:r>
-                <a:rPr lang="en-US" altLang="ko-KR" sz="1400" dirty="0" smtClean="0"/>
+                <a:rPr lang="en-US" altLang="ko-KR" sz="1400" dirty="0"/>
                 <a:t>)</a:t>
               </a:r>
               <a:endParaRPr lang="ko-KR" altLang="en-US" sz="1400" dirty="0"/>
@@ -7724,19 +7650,15 @@
             <a:lstStyle/>
             <a:p>
               <a:r>
-                <a:rPr lang="en-US" altLang="ko-KR" sz="1400" dirty="0" smtClean="0"/>
-                <a:t>pay(</a:t>
-              </a:r>
-              <a:r>
-                <a:rPr lang="ko-KR" altLang="en-US" sz="1400" dirty="0" smtClean="0"/>
-                <a:t>결</a:t>
+                <a:rPr lang="en-US" altLang="ko-KR" sz="1400" dirty="0"/>
+                <a:t>payment(</a:t>
               </a:r>
               <a:r>
                 <a:rPr lang="ko-KR" altLang="en-US" sz="1400" dirty="0"/>
-                <a:t>제</a:t>
+                <a:t>결제</a:t>
               </a:r>
               <a:r>
-                <a:rPr lang="en-US" altLang="ko-KR" sz="1400" dirty="0" smtClean="0"/>
+                <a:rPr lang="en-US" altLang="ko-KR" sz="1400" dirty="0"/>
                 <a:t>)</a:t>
               </a:r>
               <a:endParaRPr lang="ko-KR" altLang="en-US" sz="1400" dirty="0"/>
@@ -7914,23 +7836,7 @@
                   <a:schemeClr val="tx1"/>
                 </a:solidFill>
               </a:rPr>
-              <a:t>(</a:t>
-            </a:r>
-            <a:r>
-              <a:rPr kumimoji="1" lang="en-US" altLang="ko-KR" sz="1050" b="1" dirty="0" smtClean="0">
-                <a:solidFill>
-                  <a:schemeClr val="tx1"/>
-                </a:solidFill>
-              </a:rPr>
-              <a:t>pay</a:t>
-            </a:r>
-            <a:r>
-              <a:rPr kumimoji="1" lang="en-US" altLang="ko-KR" sz="1050" b="1" dirty="0" smtClean="0">
-                <a:solidFill>
-                  <a:schemeClr val="tx1"/>
-                </a:solidFill>
-              </a:rPr>
-              <a:t>)</a:t>
+              <a:t>(pay)</a:t>
             </a:r>
             <a:endParaRPr kumimoji="1" lang="ko-KR" altLang="en-US" sz="1050" b="1" dirty="0">
               <a:solidFill>
@@ -8012,23 +7918,7 @@
                   <a:schemeClr val="tx1"/>
                 </a:solidFill>
               </a:rPr>
-              <a:t>(</a:t>
-            </a:r>
-            <a:r>
-              <a:rPr kumimoji="1" lang="en-US" altLang="ko-KR" sz="1050" b="1" dirty="0" smtClean="0">
-                <a:solidFill>
-                  <a:schemeClr val="tx1"/>
-                </a:solidFill>
-              </a:rPr>
-              <a:t>alarm</a:t>
-            </a:r>
-            <a:r>
-              <a:rPr kumimoji="1" lang="en-US" altLang="ko-KR" sz="1050" b="1" dirty="0" smtClean="0">
-                <a:solidFill>
-                  <a:schemeClr val="tx1"/>
-                </a:solidFill>
-              </a:rPr>
-              <a:t>)</a:t>
+              <a:t>(alarm)</a:t>
             </a:r>
             <a:endParaRPr kumimoji="1" lang="ko-KR" altLang="en-US" sz="1050" b="1" dirty="0">
               <a:solidFill>
@@ -8184,23 +8074,7 @@
                   <a:schemeClr val="tx1"/>
                 </a:solidFill>
               </a:rPr>
-              <a:t>(</a:t>
-            </a:r>
-            <a:r>
-              <a:rPr kumimoji="1" lang="en-US" altLang="ko-KR" sz="1050" b="1" dirty="0" smtClean="0">
-                <a:solidFill>
-                  <a:schemeClr val="tx1"/>
-                </a:solidFill>
-              </a:rPr>
-              <a:t>alarm</a:t>
-            </a:r>
-            <a:r>
-              <a:rPr kumimoji="1" lang="en-US" altLang="ko-KR" sz="1050" b="1" dirty="0" smtClean="0">
-                <a:solidFill>
-                  <a:schemeClr val="tx1"/>
-                </a:solidFill>
-              </a:rPr>
-              <a:t>)</a:t>
+              <a:t>(alarm)</a:t>
             </a:r>
             <a:endParaRPr kumimoji="1" lang="ko-KR" altLang="en-US" sz="1050" b="1" dirty="0">
               <a:solidFill>
@@ -8584,11 +8458,6 @@
                 </a:rPr>
                 <a:t>약</a:t>
               </a:r>
-              <a:endParaRPr kumimoji="1" lang="ko-KR" altLang="en-US" sz="1200" b="1" dirty="0">
-                <a:solidFill>
-                  <a:schemeClr val="tx1"/>
-                </a:solidFill>
-              </a:endParaRPr>
             </a:p>
           </p:txBody>
         </p:sp>
@@ -9119,15 +8988,7 @@
                     <a:schemeClr val="tx1"/>
                   </a:solidFill>
                 </a:rPr>
-                <a:t>완료</a:t>
-              </a:r>
-              <a:r>
-                <a:rPr kumimoji="1" lang="ko-KR" altLang="en-US" sz="1200" b="1" dirty="0" smtClean="0">
-                  <a:solidFill>
-                    <a:schemeClr val="tx1"/>
-                  </a:solidFill>
-                </a:rPr>
-                <a:t>됨</a:t>
+                <a:t>완료됨</a:t>
               </a:r>
               <a:endParaRPr kumimoji="1" lang="ko-KR" altLang="en-US" sz="1200" b="1" dirty="0">
                 <a:solidFill>
@@ -9271,11 +9132,6 @@
                   </a:rPr>
                   <a:t>체</a:t>
                 </a:r>
-                <a:endParaRPr kumimoji="1" lang="ko-KR" altLang="en-US" sz="1200" b="1" dirty="0">
-                  <a:solidFill>
-                    <a:schemeClr val="tx1"/>
-                  </a:solidFill>
-                </a:endParaRPr>
               </a:p>
             </p:txBody>
           </p:sp>
@@ -9908,15 +9764,7 @@
                     <a:schemeClr val="tx1"/>
                   </a:solidFill>
                 </a:rPr>
-                <a:t>전달</a:t>
-              </a:r>
-              <a:r>
-                <a:rPr kumimoji="1" lang="ko-KR" altLang="en-US" sz="1200" b="1" dirty="0" smtClean="0">
-                  <a:solidFill>
-                    <a:schemeClr val="tx1"/>
-                  </a:solidFill>
-                </a:rPr>
-                <a:t>됨</a:t>
+                <a:t>전달됨</a:t>
               </a:r>
               <a:endParaRPr kumimoji="1" lang="ko-KR" altLang="en-US" sz="1200" b="1" dirty="0">
                 <a:solidFill>
@@ -10067,19 +9915,15 @@
             <a:lstStyle/>
             <a:p>
               <a:r>
-                <a:rPr lang="en-US" altLang="ko-KR" sz="1400" smtClean="0"/>
-                <a:t>alarm(</a:t>
-              </a:r>
-              <a:r>
-                <a:rPr lang="ko-KR" altLang="en-US" sz="1400" dirty="0" smtClean="0"/>
-                <a:t>알</a:t>
+                <a:rPr lang="en-US" altLang="ko-KR" sz="1400" dirty="0"/>
+                <a:t>message(</a:t>
               </a:r>
               <a:r>
                 <a:rPr lang="ko-KR" altLang="en-US" sz="1400" dirty="0"/>
-                <a:t>림</a:t>
+                <a:t>알림</a:t>
               </a:r>
               <a:r>
-                <a:rPr lang="en-US" altLang="ko-KR" sz="1400" dirty="0" smtClean="0"/>
+                <a:rPr lang="en-US" altLang="ko-KR" sz="1400" dirty="0"/>
                 <a:t>)</a:t>
               </a:r>
               <a:endParaRPr lang="ko-KR" altLang="en-US" sz="1400" dirty="0"/>
@@ -10462,19 +10306,15 @@
             <a:lstStyle/>
             <a:p>
               <a:r>
-                <a:rPr lang="en-US" altLang="ko-KR" sz="1400" dirty="0" smtClean="0"/>
-                <a:t>pay(</a:t>
-              </a:r>
-              <a:r>
-                <a:rPr lang="ko-KR" altLang="en-US" sz="1400" dirty="0" smtClean="0"/>
-                <a:t>결</a:t>
+                <a:rPr lang="en-US" altLang="ko-KR" sz="1400" dirty="0"/>
+                <a:t>payment(</a:t>
               </a:r>
               <a:r>
                 <a:rPr lang="ko-KR" altLang="en-US" sz="1400" dirty="0"/>
-                <a:t>제</a:t>
+                <a:t>결제</a:t>
               </a:r>
               <a:r>
-                <a:rPr lang="en-US" altLang="ko-KR" sz="1400" dirty="0" smtClean="0"/>
+                <a:rPr lang="en-US" altLang="ko-KR" sz="1400" dirty="0"/>
                 <a:t>)</a:t>
               </a:r>
               <a:endParaRPr lang="ko-KR" altLang="en-US" sz="1400" dirty="0"/>
@@ -11105,11 +10945,7 @@
             </a:pPr>
             <a:r>
               <a:rPr kumimoji="1" lang="ko-KR" altLang="en-US" sz="2400" dirty="0" smtClean="0"/>
-              <a:t>고객이 </a:t>
-            </a:r>
-            <a:r>
-              <a:rPr kumimoji="1" lang="ko-KR" altLang="en-US" sz="2400" dirty="0" smtClean="0"/>
-              <a:t>청소를 요청한다</a:t>
+              <a:t>고객이 청소를 요청한다</a:t>
             </a:r>
             <a:endParaRPr kumimoji="1" lang="en-US" altLang="ko-KR" sz="2400" dirty="0" smtClean="0"/>
           </a:p>
@@ -11706,11 +11542,7 @@
             </a:r>
             <a:r>
               <a:rPr kumimoji="1" lang="en-US" altLang="ko-KR" dirty="0" smtClean="0"/>
-              <a:t>Coverage Check </a:t>
-            </a:r>
-            <a:r>
-              <a:rPr kumimoji="1" lang="en-US" altLang="ko-KR" dirty="0" smtClean="0"/>
-              <a:t>(3)</a:t>
+              <a:t>Coverage Check (3)</a:t>
             </a:r>
             <a:endParaRPr kumimoji="1" lang="ko-KR" altLang="en-US" dirty="0"/>
           </a:p>
@@ -12281,15 +12113,7 @@
             </a:r>
             <a:r>
               <a:rPr kumimoji="1" lang="ko-KR" altLang="en-US" dirty="0" smtClean="0"/>
-              <a:t>예약</a:t>
-            </a:r>
-            <a:r>
-              <a:rPr kumimoji="1" lang="ko-KR" altLang="en-US" dirty="0" smtClean="0"/>
-              <a:t> </a:t>
-            </a:r>
-            <a:r>
-              <a:rPr kumimoji="1" lang="ko-KR" altLang="en-US" dirty="0" smtClean="0"/>
-              <a:t>처리하고 장애격리를 위해 </a:t>
+              <a:t>예약 처리하고 장애격리를 위해 </a:t>
             </a:r>
             <a:r>
               <a:rPr kumimoji="1" lang="en-US" altLang="ko-KR" dirty="0" smtClean="0"/>
@@ -12365,11 +12189,7 @@
             </a:r>
             <a:r>
               <a:rPr kumimoji="1" lang="ko-KR" altLang="en-US" dirty="0" smtClean="0"/>
-              <a:t> </a:t>
-            </a:r>
-            <a:r>
-              <a:rPr kumimoji="1" lang="ko-KR" altLang="en-US" dirty="0" smtClean="0"/>
-              <a:t>수신하여 </a:t>
+              <a:t> 수신하여 </a:t>
             </a:r>
             <a:r>
               <a:rPr kumimoji="1" lang="en-US" altLang="ko-KR" dirty="0" smtClean="0"/>
@@ -13569,15 +13389,7 @@
                   <a:schemeClr val="tx1"/>
                 </a:solidFill>
               </a:rPr>
-              <a:t>Kafka </a:t>
-            </a:r>
-            <a:r>
-              <a:rPr kumimoji="1" lang="en-US" altLang="ko-KR" sz="1000" dirty="0" smtClean="0">
-                <a:solidFill>
-                  <a:schemeClr val="tx1"/>
-                </a:solidFill>
-              </a:rPr>
-              <a:t>publisher</a:t>
+              <a:t>Kafka publisher</a:t>
             </a:r>
             <a:endParaRPr kumimoji="1" lang="en-US" altLang="ko-KR" sz="1000" dirty="0">
               <a:solidFill>
@@ -13730,15 +13542,7 @@
                   <a:schemeClr val="tx1"/>
                 </a:solidFill>
               </a:rPr>
-              <a:t>Kafka </a:t>
-            </a:r>
-            <a:r>
-              <a:rPr kumimoji="1" lang="en-US" altLang="ko-KR" sz="1000" dirty="0" smtClean="0">
-                <a:solidFill>
-                  <a:schemeClr val="tx1"/>
-                </a:solidFill>
-              </a:rPr>
-              <a:t>publisher</a:t>
+              <a:t>Kafka publisher</a:t>
             </a:r>
             <a:endParaRPr kumimoji="1" lang="en-US" altLang="ko-KR" sz="1000" dirty="0">
               <a:solidFill>
@@ -13928,15 +13732,7 @@
                   <a:schemeClr val="tx1"/>
                 </a:solidFill>
               </a:rPr>
-              <a:t>Kafka </a:t>
-            </a:r>
-            <a:r>
-              <a:rPr kumimoji="1" lang="en-US" altLang="ko-KR" sz="1000" dirty="0" smtClean="0">
-                <a:solidFill>
-                  <a:schemeClr val="tx1"/>
-                </a:solidFill>
-              </a:rPr>
-              <a:t>publisher</a:t>
+              <a:t>Kafka publisher</a:t>
             </a:r>
             <a:endParaRPr kumimoji="1" lang="en-US" altLang="ko-KR" sz="1000" dirty="0">
               <a:solidFill>
@@ -14960,11 +14756,7 @@
             </a:pPr>
             <a:r>
               <a:rPr kumimoji="1" lang="ko-KR" altLang="en-US" sz="2000" dirty="0" smtClean="0"/>
-              <a:t>고객이 </a:t>
-            </a:r>
-            <a:r>
-              <a:rPr kumimoji="1" lang="ko-KR" altLang="en-US" sz="2000" dirty="0" smtClean="0"/>
-              <a:t>청소를 요청한다</a:t>
+              <a:t>고객이 청소를 요청한다</a:t>
             </a:r>
             <a:endParaRPr kumimoji="1" lang="en-US" altLang="ko-KR" sz="2000" dirty="0" smtClean="0"/>
           </a:p>
@@ -15020,7 +14812,6 @@
               <a:rPr kumimoji="1" lang="en-US" altLang="ko-KR" sz="2000" dirty="0" smtClean="0"/>
               <a:t>)</a:t>
             </a:r>
-            <a:endParaRPr kumimoji="1" lang="en-US" altLang="ko-KR" sz="2000" dirty="0" smtClean="0"/>
           </a:p>
           <a:p>
             <a:pPr marL="514350" indent="-514350">
@@ -15029,11 +14820,7 @@
             </a:pPr>
             <a:r>
               <a:rPr kumimoji="1" lang="ko-KR" altLang="en-US" sz="2000" dirty="0" smtClean="0"/>
-              <a:t>고객이 </a:t>
-            </a:r>
-            <a:r>
-              <a:rPr kumimoji="1" lang="ko-KR" altLang="en-US" sz="2000" dirty="0" smtClean="0"/>
-              <a:t>결제한다</a:t>
+              <a:t>고객이 결제한다</a:t>
             </a:r>
             <a:r>
               <a:rPr kumimoji="1" lang="en-US" altLang="ko-KR" sz="2000" dirty="0" smtClean="0"/>
@@ -15047,7 +14834,6 @@
               <a:rPr kumimoji="1" lang="en-US" altLang="ko-KR" sz="2000" dirty="0" smtClean="0"/>
               <a:t>)</a:t>
             </a:r>
-            <a:endParaRPr kumimoji="1" lang="en-US" altLang="ko-KR" sz="2000" dirty="0" smtClean="0"/>
           </a:p>
           <a:p>
             <a:pPr marL="514350" indent="-514350">
@@ -20466,11 +20252,7 @@
             </a:r>
             <a:r>
               <a:rPr kumimoji="1" lang="ko-KR" altLang="en-US" dirty="0" smtClean="0"/>
-              <a:t> </a:t>
-            </a:r>
-            <a:r>
-              <a:rPr kumimoji="1" lang="ko-KR" altLang="en-US" dirty="0" smtClean="0"/>
-              <a:t>아예 거래가 성립되지 않아야 한다 </a:t>
+              <a:t> 아예 거래가 성립되지 않아야 한다 </a:t>
             </a:r>
             <a:r>
               <a:rPr kumimoji="1" lang="ko-KR" altLang="en-US" dirty="0">
@@ -20614,15 +20396,7 @@
             </a:pPr>
             <a:r>
               <a:rPr kumimoji="1" lang="ko-KR" altLang="en-US" dirty="0" smtClean="0"/>
-              <a:t>고객과 청소업체가 </a:t>
-            </a:r>
-            <a:r>
-              <a:rPr kumimoji="1" lang="ko-KR" altLang="en-US" dirty="0" smtClean="0"/>
-              <a:t>자주 </a:t>
-            </a:r>
-            <a:r>
-              <a:rPr kumimoji="1" lang="ko-KR" altLang="en-US" dirty="0" smtClean="0"/>
-              <a:t>예</a:t>
+              <a:t>고객과 청소업체가 자주 예</a:t>
             </a:r>
             <a:r>
               <a:rPr kumimoji="1" lang="ko-KR" altLang="en-US" dirty="0"/>
@@ -20630,15 +20404,7 @@
             </a:r>
             <a:r>
               <a:rPr kumimoji="1" lang="ko-KR" altLang="en-US" dirty="0" smtClean="0"/>
-              <a:t>관리에서 </a:t>
-            </a:r>
-            <a:r>
-              <a:rPr kumimoji="1" lang="ko-KR" altLang="en-US" dirty="0" smtClean="0"/>
-              <a:t>확인할 수 있는 </a:t>
-            </a:r>
-            <a:r>
-              <a:rPr kumimoji="1" lang="ko-KR" altLang="en-US" dirty="0" smtClean="0"/>
-              <a:t>상태를 </a:t>
+              <a:t>관리에서 확인할 수 있는 상태를 </a:t>
             </a:r>
             <a:r>
               <a:rPr kumimoji="1" lang="ko-KR" altLang="en-US" dirty="0" err="1" smtClean="0"/>
@@ -20681,11 +20447,7 @@
             </a:pPr>
             <a:r>
               <a:rPr kumimoji="1" lang="ko-KR" altLang="en-US" dirty="0" smtClean="0"/>
-              <a:t>상태가 </a:t>
-            </a:r>
-            <a:r>
-              <a:rPr kumimoji="1" lang="ko-KR" altLang="en-US" dirty="0" smtClean="0"/>
-              <a:t>바뀔때마다 카톡 등으로 알림을 줄 수 있어야 한다 </a:t>
+              <a:t>상태가 바뀔때마다 카톡 등으로 알림을 줄 수 있어야 한다 </a:t>
             </a:r>
             <a:r>
               <a:rPr kumimoji="1" lang="ko-KR" altLang="en-US" dirty="0" smtClean="0">
@@ -21237,15 +20999,7 @@
                   <a:schemeClr val="tx1"/>
                 </a:solidFill>
               </a:rPr>
-              <a:t>결제</a:t>
-            </a:r>
-            <a:r>
-              <a:rPr kumimoji="1" lang="ko-KR" altLang="en-US" sz="1200" b="1" dirty="0" err="1" smtClean="0">
-                <a:solidFill>
-                  <a:schemeClr val="tx1"/>
-                </a:solidFill>
-              </a:rPr>
-              <a:t>취소됨</a:t>
+              <a:t>결제취소됨</a:t>
             </a:r>
             <a:endParaRPr kumimoji="1" lang="ko-KR" altLang="en-US" sz="1200" b="1" dirty="0">
               <a:solidFill>
@@ -21929,15 +21683,7 @@
                   <a:schemeClr val="tx1"/>
                 </a:solidFill>
               </a:rPr>
-              <a:t>결제</a:t>
-            </a:r>
-            <a:r>
-              <a:rPr kumimoji="1" lang="ko-KR" altLang="en-US" sz="1200" b="1" dirty="0" err="1" smtClean="0">
-                <a:solidFill>
-                  <a:schemeClr val="tx1"/>
-                </a:solidFill>
-              </a:rPr>
-              <a:t>취소됨</a:t>
+              <a:t>결제취소됨</a:t>
             </a:r>
             <a:endParaRPr kumimoji="1" lang="ko-KR" altLang="en-US" sz="1200" b="1" dirty="0">
               <a:solidFill>
@@ -22994,11 +22740,6 @@
                 </a:rPr>
                 <a:t>체</a:t>
               </a:r>
-              <a:endParaRPr kumimoji="1" lang="ko-KR" altLang="en-US" sz="1200" b="1" dirty="0">
-                <a:solidFill>
-                  <a:schemeClr val="tx1"/>
-                </a:solidFill>
-              </a:endParaRPr>
             </a:p>
           </p:txBody>
         </p:sp>
@@ -23355,15 +23096,7 @@
                   <a:schemeClr val="tx1"/>
                 </a:solidFill>
               </a:rPr>
-              <a:t>알림전달</a:t>
-            </a:r>
-            <a:r>
-              <a:rPr kumimoji="1" lang="ko-KR" altLang="en-US" sz="1200" b="1" dirty="0" err="1" smtClean="0">
-                <a:solidFill>
-                  <a:schemeClr val="tx1"/>
-                </a:solidFill>
-              </a:rPr>
-              <a:t>됨</a:t>
+              <a:t>알림전달됨</a:t>
             </a:r>
             <a:endParaRPr kumimoji="1" lang="ko-KR" altLang="en-US" sz="1200" b="1" dirty="0">
               <a:solidFill>
@@ -24148,15 +23881,7 @@
                   <a:schemeClr val="tx1"/>
                 </a:solidFill>
               </a:rPr>
-              <a:t>예약</a:t>
-            </a:r>
-            <a:r>
-              <a:rPr kumimoji="1" lang="ko-KR" altLang="en-US" sz="1200" b="1" dirty="0" err="1" smtClean="0">
-                <a:solidFill>
-                  <a:schemeClr val="tx1"/>
-                </a:solidFill>
-              </a:rPr>
-              <a:t>취소됨</a:t>
+              <a:t>예약취소됨</a:t>
             </a:r>
             <a:endParaRPr kumimoji="1" lang="ko-KR" altLang="en-US" sz="1200" b="1" dirty="0">
               <a:solidFill>
@@ -24224,11 +23949,6 @@
               </a:rPr>
               <a:t>약</a:t>
             </a:r>
-            <a:endParaRPr kumimoji="1" lang="ko-KR" altLang="en-US" sz="1200" b="1" dirty="0">
-              <a:solidFill>
-                <a:schemeClr val="tx1"/>
-              </a:solidFill>
-            </a:endParaRPr>
           </a:p>
         </p:txBody>
       </p:sp>
@@ -24290,11 +24010,6 @@
               </a:rPr>
               <a:t>림</a:t>
             </a:r>
-            <a:endParaRPr kumimoji="1" lang="ko-KR" altLang="en-US" sz="1200" b="1" dirty="0">
-              <a:solidFill>
-                <a:schemeClr val="tx1"/>
-              </a:solidFill>
-            </a:endParaRPr>
           </a:p>
         </p:txBody>
       </p:sp>
@@ -24763,11 +24478,6 @@
                 </a:rPr>
                 <a:t>체</a:t>
               </a:r>
-              <a:endParaRPr kumimoji="1" lang="ko-KR" altLang="en-US" sz="1200" b="1" dirty="0">
-                <a:solidFill>
-                  <a:schemeClr val="tx1"/>
-                </a:solidFill>
-              </a:endParaRPr>
             </a:p>
           </p:txBody>
         </p:sp>
@@ -25124,15 +24834,7 @@
                   <a:sysClr val="windowText" lastClr="000000"/>
                 </a:solidFill>
               </a:rPr>
-              <a:t>알림</a:t>
-            </a:r>
-            <a:r>
-              <a:rPr kumimoji="1" lang="ko-KR" altLang="en-US" dirty="0" err="1" smtClean="0">
-                <a:solidFill>
-                  <a:sysClr val="windowText" lastClr="000000"/>
-                </a:solidFill>
-              </a:rPr>
-              <a:t>이력</a:t>
+              <a:t>알림이력</a:t>
             </a:r>
             <a:endParaRPr kumimoji="1" lang="ko-KR" altLang="en-US" dirty="0">
               <a:solidFill>
@@ -25700,7 +25402,7 @@
   <a:extraClrSchemeLst/>
   <a:extLst>
     <a:ext uri="{05A4C25C-085E-4340-85A3-A5531E510DB2}">
-      <thm15:themeFamily xmlns="" xmlns:thm15="http://schemas.microsoft.com/office/thememl/2012/main" name="Office Theme" id="{62F939B6-93AF-4DB8-9C6B-D6C7DFDC589F}" vid="{4A3C46E8-61CC-4603-A589-7422A47A8E4A}"/>
+      <thm15:themeFamily xmlns:thm15="http://schemas.microsoft.com/office/thememl/2012/main" xmlns="" name="Office Theme" id="{62F939B6-93AF-4DB8-9C6B-D6C7DFDC589F}" vid="{4A3C46E8-61CC-4603-A589-7422A47A8E4A}"/>
     </a:ext>
   </a:extLst>
 </a:theme>
